--- a/Writing/Thesis_Figures/FAOR_Cycle.pptx
+++ b/Writing/Thesis_Figures/FAOR_Cycle.pptx
@@ -104,6 +104,11 @@
       </a:defRPr>
     </a:lvl9pPr>
   </p:defaultTextStyle>
+  <p:extLst>
+    <p:ext uri="{EFAFB233-063F-42B5-8137-9DF3F51BA10A}">
+      <p15:sldGuideLst xmlns:p15="http://schemas.microsoft.com/office/powerpoint/2012/main"/>
+    </p:ext>
+  </p:extLst>
 </p:presentation>
 </file>
 
@@ -238,7 +243,7 @@
           <a:p>
             <a:fld id="{B544AC8A-D5BD-4F4B-AB42-A2EFD8197B14}" type="datetimeFigureOut">
               <a:rPr lang="da-DK" smtClean="0"/>
-              <a:t>16.08.2023</a:t>
+              <a:t>19.11.2023</a:t>
             </a:fld>
             <a:endParaRPr lang="da-DK"/>
           </a:p>
@@ -408,7 +413,7 @@
           <a:p>
             <a:fld id="{B544AC8A-D5BD-4F4B-AB42-A2EFD8197B14}" type="datetimeFigureOut">
               <a:rPr lang="da-DK" smtClean="0"/>
-              <a:t>16.08.2023</a:t>
+              <a:t>19.11.2023</a:t>
             </a:fld>
             <a:endParaRPr lang="da-DK"/>
           </a:p>
@@ -588,7 +593,7 @@
           <a:p>
             <a:fld id="{B544AC8A-D5BD-4F4B-AB42-A2EFD8197B14}" type="datetimeFigureOut">
               <a:rPr lang="da-DK" smtClean="0"/>
-              <a:t>16.08.2023</a:t>
+              <a:t>19.11.2023</a:t>
             </a:fld>
             <a:endParaRPr lang="da-DK"/>
           </a:p>
@@ -758,7 +763,7 @@
           <a:p>
             <a:fld id="{B544AC8A-D5BD-4F4B-AB42-A2EFD8197B14}" type="datetimeFigureOut">
               <a:rPr lang="da-DK" smtClean="0"/>
-              <a:t>16.08.2023</a:t>
+              <a:t>19.11.2023</a:t>
             </a:fld>
             <a:endParaRPr lang="da-DK"/>
           </a:p>
@@ -1002,7 +1007,7 @@
           <a:p>
             <a:fld id="{B544AC8A-D5BD-4F4B-AB42-A2EFD8197B14}" type="datetimeFigureOut">
               <a:rPr lang="da-DK" smtClean="0"/>
-              <a:t>16.08.2023</a:t>
+              <a:t>19.11.2023</a:t>
             </a:fld>
             <a:endParaRPr lang="da-DK"/>
           </a:p>
@@ -1234,7 +1239,7 @@
           <a:p>
             <a:fld id="{B544AC8A-D5BD-4F4B-AB42-A2EFD8197B14}" type="datetimeFigureOut">
               <a:rPr lang="da-DK" smtClean="0"/>
-              <a:t>16.08.2023</a:t>
+              <a:t>19.11.2023</a:t>
             </a:fld>
             <a:endParaRPr lang="da-DK"/>
           </a:p>
@@ -1601,7 +1606,7 @@
           <a:p>
             <a:fld id="{B544AC8A-D5BD-4F4B-AB42-A2EFD8197B14}" type="datetimeFigureOut">
               <a:rPr lang="da-DK" smtClean="0"/>
-              <a:t>16.08.2023</a:t>
+              <a:t>19.11.2023</a:t>
             </a:fld>
             <a:endParaRPr lang="da-DK"/>
           </a:p>
@@ -1719,7 +1724,7 @@
           <a:p>
             <a:fld id="{B544AC8A-D5BD-4F4B-AB42-A2EFD8197B14}" type="datetimeFigureOut">
               <a:rPr lang="da-DK" smtClean="0"/>
-              <a:t>16.08.2023</a:t>
+              <a:t>19.11.2023</a:t>
             </a:fld>
             <a:endParaRPr lang="da-DK"/>
           </a:p>
@@ -1814,7 +1819,7 @@
           <a:p>
             <a:fld id="{B544AC8A-D5BD-4F4B-AB42-A2EFD8197B14}" type="datetimeFigureOut">
               <a:rPr lang="da-DK" smtClean="0"/>
-              <a:t>16.08.2023</a:t>
+              <a:t>19.11.2023</a:t>
             </a:fld>
             <a:endParaRPr lang="da-DK"/>
           </a:p>
@@ -2091,7 +2096,7 @@
           <a:p>
             <a:fld id="{B544AC8A-D5BD-4F4B-AB42-A2EFD8197B14}" type="datetimeFigureOut">
               <a:rPr lang="da-DK" smtClean="0"/>
-              <a:t>16.08.2023</a:t>
+              <a:t>19.11.2023</a:t>
             </a:fld>
             <a:endParaRPr lang="da-DK"/>
           </a:p>
@@ -2348,7 +2353,7 @@
           <a:p>
             <a:fld id="{B544AC8A-D5BD-4F4B-AB42-A2EFD8197B14}" type="datetimeFigureOut">
               <a:rPr lang="da-DK" smtClean="0"/>
-              <a:t>16.08.2023</a:t>
+              <a:t>19.11.2023</a:t>
             </a:fld>
             <a:endParaRPr lang="da-DK"/>
           </a:p>
@@ -2561,7 +2566,7 @@
           <a:p>
             <a:fld id="{B544AC8A-D5BD-4F4B-AB42-A2EFD8197B14}" type="datetimeFigureOut">
               <a:rPr lang="da-DK" smtClean="0"/>
-              <a:t>16.08.2023</a:t>
+              <a:t>19.11.2023</a:t>
             </a:fld>
             <a:endParaRPr lang="da-DK"/>
           </a:p>
@@ -2980,7 +2985,7 @@
         </p:nvSpPr>
         <p:spPr>
           <a:xfrm>
-            <a:off x="1444999" y="492131"/>
+            <a:off x="1444999" y="427200"/>
             <a:ext cx="1200970" cy="261610"/>
           </a:xfrm>
           <a:prstGeom prst="rect">
@@ -3122,7 +3127,7 @@
         </p:nvSpPr>
         <p:spPr>
           <a:xfrm rot="10800000" flipH="1" flipV="1">
-            <a:off x="1091422" y="726739"/>
+            <a:off x="1091422" y="661808"/>
             <a:ext cx="1939921" cy="251999"/>
           </a:xfrm>
           <a:prstGeom prst="uturnArrow">
@@ -4239,7 +4244,7 @@
         </p:nvSpPr>
         <p:spPr>
           <a:xfrm rot="10800000" flipH="1">
-            <a:off x="1089191" y="474768"/>
+            <a:off x="1089191" y="409837"/>
             <a:ext cx="1939921" cy="251943"/>
           </a:xfrm>
           <a:prstGeom prst="uturnArrow">
@@ -4305,7 +4310,7 @@
         </p:nvSpPr>
         <p:spPr>
           <a:xfrm rot="356676">
-            <a:off x="2561750" y="387079"/>
+            <a:off x="2561750" y="322148"/>
             <a:ext cx="414834" cy="271346"/>
           </a:xfrm>
           <a:prstGeom prst="rect">
@@ -4362,7 +4367,7 @@
         </p:nvSpPr>
         <p:spPr>
           <a:xfrm rot="274714">
-            <a:off x="2629697" y="416545"/>
+            <a:off x="2629697" y="351614"/>
             <a:ext cx="414834" cy="295919"/>
           </a:xfrm>
           <a:prstGeom prst="rect">
@@ -4419,7 +4424,7 @@
         </p:nvSpPr>
         <p:spPr>
           <a:xfrm>
-            <a:off x="649247" y="71589"/>
+            <a:off x="649247" y="6658"/>
             <a:ext cx="856343" cy="430887"/>
           </a:xfrm>
           <a:prstGeom prst="rect">
